--- a/assets/img/CW21.pptx
+++ b/assets/img/CW21.pptx
@@ -3728,7 +3728,7 @@
         </p:nvSpPr>
         <p:spPr>
           <a:xfrm>
-            <a:off x="838200" y="740211"/>
+            <a:off x="2329133" y="910646"/>
             <a:ext cx="7530685" cy="3163864"/>
           </a:xfrm>
         </p:spPr>
@@ -3794,7 +3794,7 @@
         </p:nvSpPr>
         <p:spPr>
           <a:xfrm>
-            <a:off x="838200" y="4074515"/>
+            <a:off x="2466976" y="4187130"/>
             <a:ext cx="7583133" cy="1279124"/>
           </a:xfrm>
         </p:spPr>
